--- a/20231226_狩野モデル/111_一元的認識.pptx
+++ b/20231226_狩野モデル/111_一元的認識.pptx
@@ -4,6 +4,9 @@
   <p:sldMasterIdLst>
     <p:sldMasterId id="2147483648" r:id="rId1"/>
   </p:sldMasterIdLst>
+  <p:notesMasterIdLst>
+    <p:notesMasterId r:id="rId3"/>
+  </p:notesMasterIdLst>
   <p:sldIdLst>
     <p:sldId id="256" r:id="rId2"/>
   </p:sldIdLst>
@@ -112,6 +115,471 @@
 </p:presentation>
 </file>
 
+<file path=ppt/notesMasters/notesMaster1.xml><?xml version="1.0" encoding="utf-8"?>
+<p:notesMaster xmlns:a="http://schemas.openxmlformats.org/drawingml/2006/main" xmlns:r="http://schemas.openxmlformats.org/officeDocument/2006/relationships" xmlns:p="http://schemas.openxmlformats.org/presentationml/2006/main">
+  <p:cSld>
+    <p:bg>
+      <p:bgRef idx="1001">
+        <a:schemeClr val="bg1"/>
+      </p:bgRef>
+    </p:bg>
+    <p:spTree>
+      <p:nvGrpSpPr>
+        <p:cNvPr id="1" name=""/>
+        <p:cNvGrpSpPr/>
+        <p:nvPr/>
+      </p:nvGrpSpPr>
+      <p:grpSpPr>
+        <a:xfrm>
+          <a:off x="0" y="0"/>
+          <a:ext cx="0" cy="0"/>
+          <a:chOff x="0" y="0"/>
+          <a:chExt cx="0" cy="0"/>
+        </a:xfrm>
+      </p:grpSpPr>
+      <p:sp>
+        <p:nvSpPr>
+          <p:cNvPr id="2" name="ヘッダー プレースホルダー 1"/>
+          <p:cNvSpPr>
+            <a:spLocks noGrp="1"/>
+          </p:cNvSpPr>
+          <p:nvPr>
+            <p:ph type="hdr" sz="quarter"/>
+          </p:nvPr>
+        </p:nvSpPr>
+        <p:spPr>
+          <a:xfrm>
+            <a:off x="0" y="0"/>
+            <a:ext cx="2971800" cy="458788"/>
+          </a:xfrm>
+          <a:prstGeom prst="rect">
+            <a:avLst/>
+          </a:prstGeom>
+        </p:spPr>
+        <p:txBody>
+          <a:bodyPr vert="horz" lIns="91440" tIns="45720" rIns="91440" bIns="45720" rtlCol="0"/>
+          <a:lstStyle>
+            <a:lvl1pPr algn="l">
+              <a:defRPr sz="1200"/>
+            </a:lvl1pPr>
+          </a:lstStyle>
+          <a:p>
+            <a:endParaRPr kumimoji="1" lang="ja-JP" altLang="en-US"/>
+          </a:p>
+        </p:txBody>
+      </p:sp>
+      <p:sp>
+        <p:nvSpPr>
+          <p:cNvPr id="3" name="日付プレースホルダー 2"/>
+          <p:cNvSpPr>
+            <a:spLocks noGrp="1"/>
+          </p:cNvSpPr>
+          <p:nvPr>
+            <p:ph type="dt" idx="1"/>
+          </p:nvPr>
+        </p:nvSpPr>
+        <p:spPr>
+          <a:xfrm>
+            <a:off x="3884613" y="0"/>
+            <a:ext cx="2971800" cy="458788"/>
+          </a:xfrm>
+          <a:prstGeom prst="rect">
+            <a:avLst/>
+          </a:prstGeom>
+        </p:spPr>
+        <p:txBody>
+          <a:bodyPr vert="horz" lIns="91440" tIns="45720" rIns="91440" bIns="45720" rtlCol="0"/>
+          <a:lstStyle>
+            <a:lvl1pPr algn="r">
+              <a:defRPr sz="1200"/>
+            </a:lvl1pPr>
+          </a:lstStyle>
+          <a:p>
+            <a:fld id="{1A113CE8-BB63-4766-A325-BD3E71EBB8F6}" type="datetimeFigureOut">
+              <a:rPr kumimoji="1" lang="ja-JP" altLang="en-US" smtClean="0"/>
+              <a:t>2024/1/21</a:t>
+            </a:fld>
+            <a:endParaRPr kumimoji="1" lang="ja-JP" altLang="en-US"/>
+          </a:p>
+        </p:txBody>
+      </p:sp>
+      <p:sp>
+        <p:nvSpPr>
+          <p:cNvPr id="4" name="スライド イメージ プレースホルダー 3"/>
+          <p:cNvSpPr>
+            <a:spLocks noGrp="1" noRot="1" noChangeAspect="1"/>
+          </p:cNvSpPr>
+          <p:nvPr>
+            <p:ph type="sldImg" idx="2"/>
+          </p:nvPr>
+        </p:nvSpPr>
+        <p:spPr>
+          <a:xfrm>
+            <a:off x="685800" y="1143000"/>
+            <a:ext cx="5486400" cy="3086100"/>
+          </a:xfrm>
+          <a:prstGeom prst="rect">
+            <a:avLst/>
+          </a:prstGeom>
+          <a:noFill/>
+          <a:ln w="12700">
+            <a:solidFill>
+              <a:prstClr val="black"/>
+            </a:solidFill>
+          </a:ln>
+        </p:spPr>
+        <p:txBody>
+          <a:bodyPr vert="horz" lIns="91440" tIns="45720" rIns="91440" bIns="45720" rtlCol="0" anchor="ctr"/>
+          <a:lstStyle/>
+          <a:p>
+            <a:endParaRPr lang="ja-JP" altLang="en-US"/>
+          </a:p>
+        </p:txBody>
+      </p:sp>
+      <p:sp>
+        <p:nvSpPr>
+          <p:cNvPr id="5" name="ノート プレースホルダー 4"/>
+          <p:cNvSpPr>
+            <a:spLocks noGrp="1"/>
+          </p:cNvSpPr>
+          <p:nvPr>
+            <p:ph type="body" sz="quarter" idx="3"/>
+          </p:nvPr>
+        </p:nvSpPr>
+        <p:spPr>
+          <a:xfrm>
+            <a:off x="685800" y="4400550"/>
+            <a:ext cx="5486400" cy="3600450"/>
+          </a:xfrm>
+          <a:prstGeom prst="rect">
+            <a:avLst/>
+          </a:prstGeom>
+        </p:spPr>
+        <p:txBody>
+          <a:bodyPr vert="horz" lIns="91440" tIns="45720" rIns="91440" bIns="45720" rtlCol="0"/>
+          <a:lstStyle/>
+          <a:p>
+            <a:pPr lvl="0"/>
+            <a:r>
+              <a:rPr kumimoji="1" lang="ja-JP" altLang="en-US"/>
+              <a:t>マスター テキストの書式設定</a:t>
+            </a:r>
+          </a:p>
+          <a:p>
+            <a:pPr lvl="1"/>
+            <a:r>
+              <a:rPr kumimoji="1" lang="ja-JP" altLang="en-US"/>
+              <a:t>第 </a:t>
+            </a:r>
+            <a:r>
+              <a:rPr kumimoji="1" lang="en-US" altLang="ja-JP"/>
+              <a:t>2 </a:t>
+            </a:r>
+            <a:r>
+              <a:rPr kumimoji="1" lang="ja-JP" altLang="en-US"/>
+              <a:t>レベル</a:t>
+            </a:r>
+          </a:p>
+          <a:p>
+            <a:pPr lvl="2"/>
+            <a:r>
+              <a:rPr kumimoji="1" lang="ja-JP" altLang="en-US"/>
+              <a:t>第 </a:t>
+            </a:r>
+            <a:r>
+              <a:rPr kumimoji="1" lang="en-US" altLang="ja-JP"/>
+              <a:t>3 </a:t>
+            </a:r>
+            <a:r>
+              <a:rPr kumimoji="1" lang="ja-JP" altLang="en-US"/>
+              <a:t>レベル</a:t>
+            </a:r>
+          </a:p>
+          <a:p>
+            <a:pPr lvl="3"/>
+            <a:r>
+              <a:rPr kumimoji="1" lang="ja-JP" altLang="en-US"/>
+              <a:t>第 </a:t>
+            </a:r>
+            <a:r>
+              <a:rPr kumimoji="1" lang="en-US" altLang="ja-JP"/>
+              <a:t>4 </a:t>
+            </a:r>
+            <a:r>
+              <a:rPr kumimoji="1" lang="ja-JP" altLang="en-US"/>
+              <a:t>レベル</a:t>
+            </a:r>
+          </a:p>
+          <a:p>
+            <a:pPr lvl="4"/>
+            <a:r>
+              <a:rPr kumimoji="1" lang="ja-JP" altLang="en-US"/>
+              <a:t>第 </a:t>
+            </a:r>
+            <a:r>
+              <a:rPr kumimoji="1" lang="en-US" altLang="ja-JP"/>
+              <a:t>5 </a:t>
+            </a:r>
+            <a:r>
+              <a:rPr kumimoji="1" lang="ja-JP" altLang="en-US"/>
+              <a:t>レベル</a:t>
+            </a:r>
+          </a:p>
+        </p:txBody>
+      </p:sp>
+      <p:sp>
+        <p:nvSpPr>
+          <p:cNvPr id="6" name="フッター プレースホルダー 5"/>
+          <p:cNvSpPr>
+            <a:spLocks noGrp="1"/>
+          </p:cNvSpPr>
+          <p:nvPr>
+            <p:ph type="ftr" sz="quarter" idx="4"/>
+          </p:nvPr>
+        </p:nvSpPr>
+        <p:spPr>
+          <a:xfrm>
+            <a:off x="0" y="8685213"/>
+            <a:ext cx="2971800" cy="458787"/>
+          </a:xfrm>
+          <a:prstGeom prst="rect">
+            <a:avLst/>
+          </a:prstGeom>
+        </p:spPr>
+        <p:txBody>
+          <a:bodyPr vert="horz" lIns="91440" tIns="45720" rIns="91440" bIns="45720" rtlCol="0" anchor="b"/>
+          <a:lstStyle>
+            <a:lvl1pPr algn="l">
+              <a:defRPr sz="1200"/>
+            </a:lvl1pPr>
+          </a:lstStyle>
+          <a:p>
+            <a:endParaRPr kumimoji="1" lang="ja-JP" altLang="en-US"/>
+          </a:p>
+        </p:txBody>
+      </p:sp>
+      <p:sp>
+        <p:nvSpPr>
+          <p:cNvPr id="7" name="スライド番号プレースホルダー 6"/>
+          <p:cNvSpPr>
+            <a:spLocks noGrp="1"/>
+          </p:cNvSpPr>
+          <p:nvPr>
+            <p:ph type="sldNum" sz="quarter" idx="5"/>
+          </p:nvPr>
+        </p:nvSpPr>
+        <p:spPr>
+          <a:xfrm>
+            <a:off x="3884613" y="8685213"/>
+            <a:ext cx="2971800" cy="458787"/>
+          </a:xfrm>
+          <a:prstGeom prst="rect">
+            <a:avLst/>
+          </a:prstGeom>
+        </p:spPr>
+        <p:txBody>
+          <a:bodyPr vert="horz" lIns="91440" tIns="45720" rIns="91440" bIns="45720" rtlCol="0" anchor="b"/>
+          <a:lstStyle>
+            <a:lvl1pPr algn="r">
+              <a:defRPr sz="1200"/>
+            </a:lvl1pPr>
+          </a:lstStyle>
+          <a:p>
+            <a:fld id="{9D5080AA-597C-45BF-8C01-7135012DD827}" type="slidenum">
+              <a:rPr kumimoji="1" lang="ja-JP" altLang="en-US" smtClean="0"/>
+              <a:t>‹#›</a:t>
+            </a:fld>
+            <a:endParaRPr kumimoji="1" lang="ja-JP" altLang="en-US"/>
+          </a:p>
+        </p:txBody>
+      </p:sp>
+    </p:spTree>
+    <p:extLst>
+      <p:ext uri="{BB962C8B-B14F-4D97-AF65-F5344CB8AC3E}">
+        <p14:creationId xmlns:p14="http://schemas.microsoft.com/office/powerpoint/2010/main" val="3466081274"/>
+      </p:ext>
+    </p:extLst>
+  </p:cSld>
+  <p:clrMap bg1="lt1" tx1="dk1" bg2="lt2" tx2="dk2" accent1="accent1" accent2="accent2" accent3="accent3" accent4="accent4" accent5="accent5" accent6="accent6" hlink="hlink" folHlink="folHlink"/>
+  <p:notesStyle>
+    <a:lvl1pPr marL="0" algn="l" defTabSz="914400" rtl="0" eaLnBrk="1" latinLnBrk="0" hangingPunct="1">
+      <a:defRPr kumimoji="1" sz="1200" kern="1200">
+        <a:solidFill>
+          <a:schemeClr val="tx1"/>
+        </a:solidFill>
+        <a:latin typeface="+mn-lt"/>
+        <a:ea typeface="+mn-ea"/>
+        <a:cs typeface="+mn-cs"/>
+      </a:defRPr>
+    </a:lvl1pPr>
+    <a:lvl2pPr marL="457200" algn="l" defTabSz="914400" rtl="0" eaLnBrk="1" latinLnBrk="0" hangingPunct="1">
+      <a:defRPr kumimoji="1" sz="1200" kern="1200">
+        <a:solidFill>
+          <a:schemeClr val="tx1"/>
+        </a:solidFill>
+        <a:latin typeface="+mn-lt"/>
+        <a:ea typeface="+mn-ea"/>
+        <a:cs typeface="+mn-cs"/>
+      </a:defRPr>
+    </a:lvl2pPr>
+    <a:lvl3pPr marL="914400" algn="l" defTabSz="914400" rtl="0" eaLnBrk="1" latinLnBrk="0" hangingPunct="1">
+      <a:defRPr kumimoji="1" sz="1200" kern="1200">
+        <a:solidFill>
+          <a:schemeClr val="tx1"/>
+        </a:solidFill>
+        <a:latin typeface="+mn-lt"/>
+        <a:ea typeface="+mn-ea"/>
+        <a:cs typeface="+mn-cs"/>
+      </a:defRPr>
+    </a:lvl3pPr>
+    <a:lvl4pPr marL="1371600" algn="l" defTabSz="914400" rtl="0" eaLnBrk="1" latinLnBrk="0" hangingPunct="1">
+      <a:defRPr kumimoji="1" sz="1200" kern="1200">
+        <a:solidFill>
+          <a:schemeClr val="tx1"/>
+        </a:solidFill>
+        <a:latin typeface="+mn-lt"/>
+        <a:ea typeface="+mn-ea"/>
+        <a:cs typeface="+mn-cs"/>
+      </a:defRPr>
+    </a:lvl4pPr>
+    <a:lvl5pPr marL="1828800" algn="l" defTabSz="914400" rtl="0" eaLnBrk="1" latinLnBrk="0" hangingPunct="1">
+      <a:defRPr kumimoji="1" sz="1200" kern="1200">
+        <a:solidFill>
+          <a:schemeClr val="tx1"/>
+        </a:solidFill>
+        <a:latin typeface="+mn-lt"/>
+        <a:ea typeface="+mn-ea"/>
+        <a:cs typeface="+mn-cs"/>
+      </a:defRPr>
+    </a:lvl5pPr>
+    <a:lvl6pPr marL="2286000" algn="l" defTabSz="914400" rtl="0" eaLnBrk="1" latinLnBrk="0" hangingPunct="1">
+      <a:defRPr kumimoji="1" sz="1200" kern="1200">
+        <a:solidFill>
+          <a:schemeClr val="tx1"/>
+        </a:solidFill>
+        <a:latin typeface="+mn-lt"/>
+        <a:ea typeface="+mn-ea"/>
+        <a:cs typeface="+mn-cs"/>
+      </a:defRPr>
+    </a:lvl6pPr>
+    <a:lvl7pPr marL="2743200" algn="l" defTabSz="914400" rtl="0" eaLnBrk="1" latinLnBrk="0" hangingPunct="1">
+      <a:defRPr kumimoji="1" sz="1200" kern="1200">
+        <a:solidFill>
+          <a:schemeClr val="tx1"/>
+        </a:solidFill>
+        <a:latin typeface="+mn-lt"/>
+        <a:ea typeface="+mn-ea"/>
+        <a:cs typeface="+mn-cs"/>
+      </a:defRPr>
+    </a:lvl7pPr>
+    <a:lvl8pPr marL="3200400" algn="l" defTabSz="914400" rtl="0" eaLnBrk="1" latinLnBrk="0" hangingPunct="1">
+      <a:defRPr kumimoji="1" sz="1200" kern="1200">
+        <a:solidFill>
+          <a:schemeClr val="tx1"/>
+        </a:solidFill>
+        <a:latin typeface="+mn-lt"/>
+        <a:ea typeface="+mn-ea"/>
+        <a:cs typeface="+mn-cs"/>
+      </a:defRPr>
+    </a:lvl8pPr>
+    <a:lvl9pPr marL="3657600" algn="l" defTabSz="914400" rtl="0" eaLnBrk="1" latinLnBrk="0" hangingPunct="1">
+      <a:defRPr kumimoji="1" sz="1200" kern="1200">
+        <a:solidFill>
+          <a:schemeClr val="tx1"/>
+        </a:solidFill>
+        <a:latin typeface="+mn-lt"/>
+        <a:ea typeface="+mn-ea"/>
+        <a:cs typeface="+mn-cs"/>
+      </a:defRPr>
+    </a:lvl9pPr>
+  </p:notesStyle>
+</p:notesMaster>
+</file>
+
+<file path=ppt/notesSlides/notesSlide1.xml><?xml version="1.0" encoding="utf-8"?>
+<p:notes xmlns:a="http://schemas.openxmlformats.org/drawingml/2006/main" xmlns:r="http://schemas.openxmlformats.org/officeDocument/2006/relationships" xmlns:p="http://schemas.openxmlformats.org/presentationml/2006/main">
+  <p:cSld>
+    <p:spTree>
+      <p:nvGrpSpPr>
+        <p:cNvPr id="1" name=""/>
+        <p:cNvGrpSpPr/>
+        <p:nvPr/>
+      </p:nvGrpSpPr>
+      <p:grpSpPr>
+        <a:xfrm>
+          <a:off x="0" y="0"/>
+          <a:ext cx="0" cy="0"/>
+          <a:chOff x="0" y="0"/>
+          <a:chExt cx="0" cy="0"/>
+        </a:xfrm>
+      </p:grpSpPr>
+      <p:sp>
+        <p:nvSpPr>
+          <p:cNvPr id="2" name="スライド イメージ プレースホルダー 1"/>
+          <p:cNvSpPr>
+            <a:spLocks noGrp="1" noRot="1" noChangeAspect="1"/>
+          </p:cNvSpPr>
+          <p:nvPr>
+            <p:ph type="sldImg"/>
+          </p:nvPr>
+        </p:nvSpPr>
+        <p:spPr/>
+      </p:sp>
+      <p:sp>
+        <p:nvSpPr>
+          <p:cNvPr id="3" name="ノート プレースホルダー 2"/>
+          <p:cNvSpPr>
+            <a:spLocks noGrp="1"/>
+          </p:cNvSpPr>
+          <p:nvPr>
+            <p:ph type="body" idx="1"/>
+          </p:nvPr>
+        </p:nvSpPr>
+        <p:spPr/>
+        <p:txBody>
+          <a:bodyPr/>
+          <a:lstStyle/>
+          <a:p>
+            <a:endParaRPr kumimoji="1" lang="ja-JP" altLang="en-US"/>
+          </a:p>
+        </p:txBody>
+      </p:sp>
+      <p:sp>
+        <p:nvSpPr>
+          <p:cNvPr id="4" name="スライド番号プレースホルダー 3"/>
+          <p:cNvSpPr>
+            <a:spLocks noGrp="1"/>
+          </p:cNvSpPr>
+          <p:nvPr>
+            <p:ph type="sldNum" sz="quarter" idx="5"/>
+          </p:nvPr>
+        </p:nvSpPr>
+        <p:spPr/>
+        <p:txBody>
+          <a:bodyPr/>
+          <a:lstStyle/>
+          <a:p>
+            <a:fld id="{9D5080AA-597C-45BF-8C01-7135012DD827}" type="slidenum">
+              <a:rPr kumimoji="1" lang="ja-JP" altLang="en-US" smtClean="0"/>
+              <a:t>1</a:t>
+            </a:fld>
+            <a:endParaRPr kumimoji="1" lang="ja-JP" altLang="en-US"/>
+          </a:p>
+        </p:txBody>
+      </p:sp>
+    </p:spTree>
+    <p:extLst>
+      <p:ext uri="{BB962C8B-B14F-4D97-AF65-F5344CB8AC3E}">
+        <p14:creationId xmlns:p14="http://schemas.microsoft.com/office/powerpoint/2010/main" val="1605213371"/>
+      </p:ext>
+    </p:extLst>
+  </p:cSld>
+  <p:clrMapOvr>
+    <a:masterClrMapping/>
+  </p:clrMapOvr>
+</p:notes>
+</file>
+
 <file path=ppt/slideLayouts/slideLayout1.xml><?xml version="1.0" encoding="utf-8"?>
 <p:sldLayout xmlns:a="http://schemas.openxmlformats.org/drawingml/2006/main" xmlns:r="http://schemas.openxmlformats.org/officeDocument/2006/relationships" xmlns:p="http://schemas.openxmlformats.org/presentationml/2006/main" type="title" preserve="1">
   <p:cSld name="タイトル スライド">
@@ -259,7 +727,7 @@
           <a:p>
             <a:fld id="{E2EF34A1-8FE8-4336-9B45-D6EF1DC74210}" type="datetimeFigureOut">
               <a:rPr kumimoji="1" lang="ja-JP" altLang="en-US" smtClean="0"/>
-              <a:t>2023/12/25</a:t>
+              <a:t>2024/1/21</a:t>
             </a:fld>
             <a:endParaRPr kumimoji="1" lang="ja-JP" altLang="en-US"/>
           </a:p>
@@ -489,7 +957,7 @@
           <a:p>
             <a:fld id="{E2EF34A1-8FE8-4336-9B45-D6EF1DC74210}" type="datetimeFigureOut">
               <a:rPr kumimoji="1" lang="ja-JP" altLang="en-US" smtClean="0"/>
-              <a:t>2023/12/25</a:t>
+              <a:t>2024/1/21</a:t>
             </a:fld>
             <a:endParaRPr kumimoji="1" lang="ja-JP" altLang="en-US"/>
           </a:p>
@@ -729,7 +1197,7 @@
           <a:p>
             <a:fld id="{E2EF34A1-8FE8-4336-9B45-D6EF1DC74210}" type="datetimeFigureOut">
               <a:rPr kumimoji="1" lang="ja-JP" altLang="en-US" smtClean="0"/>
-              <a:t>2023/12/25</a:t>
+              <a:t>2024/1/21</a:t>
             </a:fld>
             <a:endParaRPr kumimoji="1" lang="ja-JP" altLang="en-US"/>
           </a:p>
@@ -959,7 +1427,7 @@
           <a:p>
             <a:fld id="{E2EF34A1-8FE8-4336-9B45-D6EF1DC74210}" type="datetimeFigureOut">
               <a:rPr kumimoji="1" lang="ja-JP" altLang="en-US" smtClean="0"/>
-              <a:t>2023/12/25</a:t>
+              <a:t>2024/1/21</a:t>
             </a:fld>
             <a:endParaRPr kumimoji="1" lang="ja-JP" altLang="en-US"/>
           </a:p>
@@ -1234,7 +1702,7 @@
           <a:p>
             <a:fld id="{E2EF34A1-8FE8-4336-9B45-D6EF1DC74210}" type="datetimeFigureOut">
               <a:rPr kumimoji="1" lang="ja-JP" altLang="en-US" smtClean="0"/>
-              <a:t>2023/12/25</a:t>
+              <a:t>2024/1/21</a:t>
             </a:fld>
             <a:endParaRPr kumimoji="1" lang="ja-JP" altLang="en-US"/>
           </a:p>
@@ -1563,7 +2031,7 @@
           <a:p>
             <a:fld id="{E2EF34A1-8FE8-4336-9B45-D6EF1DC74210}" type="datetimeFigureOut">
               <a:rPr kumimoji="1" lang="ja-JP" altLang="en-US" smtClean="0"/>
-              <a:t>2023/12/25</a:t>
+              <a:t>2024/1/21</a:t>
             </a:fld>
             <a:endParaRPr kumimoji="1" lang="ja-JP" altLang="en-US"/>
           </a:p>
@@ -2039,7 +2507,7 @@
           <a:p>
             <a:fld id="{E2EF34A1-8FE8-4336-9B45-D6EF1DC74210}" type="datetimeFigureOut">
               <a:rPr kumimoji="1" lang="ja-JP" altLang="en-US" smtClean="0"/>
-              <a:t>2023/12/25</a:t>
+              <a:t>2024/1/21</a:t>
             </a:fld>
             <a:endParaRPr kumimoji="1" lang="ja-JP" altLang="en-US"/>
           </a:p>
@@ -2180,7 +2648,7 @@
           <a:p>
             <a:fld id="{E2EF34A1-8FE8-4336-9B45-D6EF1DC74210}" type="datetimeFigureOut">
               <a:rPr kumimoji="1" lang="ja-JP" altLang="en-US" smtClean="0"/>
-              <a:t>2023/12/25</a:t>
+              <a:t>2024/1/21</a:t>
             </a:fld>
             <a:endParaRPr kumimoji="1" lang="ja-JP" altLang="en-US"/>
           </a:p>
@@ -2293,7 +2761,7 @@
           <a:p>
             <a:fld id="{E2EF34A1-8FE8-4336-9B45-D6EF1DC74210}" type="datetimeFigureOut">
               <a:rPr kumimoji="1" lang="ja-JP" altLang="en-US" smtClean="0"/>
-              <a:t>2023/12/25</a:t>
+              <a:t>2024/1/21</a:t>
             </a:fld>
             <a:endParaRPr kumimoji="1" lang="ja-JP" altLang="en-US"/>
           </a:p>
@@ -2636,7 +3104,7 @@
           <a:p>
             <a:fld id="{E2EF34A1-8FE8-4336-9B45-D6EF1DC74210}" type="datetimeFigureOut">
               <a:rPr kumimoji="1" lang="ja-JP" altLang="en-US" smtClean="0"/>
-              <a:t>2023/12/25</a:t>
+              <a:t>2024/1/21</a:t>
             </a:fld>
             <a:endParaRPr kumimoji="1" lang="ja-JP" altLang="en-US"/>
           </a:p>
@@ -2924,7 +3392,7 @@
           <a:p>
             <a:fld id="{E2EF34A1-8FE8-4336-9B45-D6EF1DC74210}" type="datetimeFigureOut">
               <a:rPr kumimoji="1" lang="ja-JP" altLang="en-US" smtClean="0"/>
-              <a:t>2023/12/25</a:t>
+              <a:t>2024/1/21</a:t>
             </a:fld>
             <a:endParaRPr kumimoji="1" lang="ja-JP" altLang="en-US"/>
           </a:p>
@@ -3197,7 +3665,7 @@
           <a:p>
             <a:fld id="{E2EF34A1-8FE8-4336-9B45-D6EF1DC74210}" type="datetimeFigureOut">
               <a:rPr kumimoji="1" lang="ja-JP" altLang="en-US" smtClean="0"/>
-              <a:t>2023/12/25</a:t>
+              <a:t>2024/1/21</a:t>
             </a:fld>
             <a:endParaRPr kumimoji="1" lang="ja-JP" altLang="en-US"/>
           </a:p>
@@ -3629,7 +4097,7 @@
           <p:nvPr/>
         </p:nvPicPr>
         <p:blipFill>
-          <a:blip r:embed="rId2"/>
+          <a:blip r:embed="rId3"/>
           <a:stretch>
             <a:fillRect/>
           </a:stretch>
@@ -3787,7 +4255,7 @@
         </p:nvSpPr>
         <p:spPr>
           <a:xfrm>
-            <a:off x="1464842" y="2932734"/>
+            <a:off x="1464842" y="2814256"/>
             <a:ext cx="466794" cy="261610"/>
           </a:xfrm>
           <a:prstGeom prst="rect">
@@ -3825,7 +4293,7 @@
         </p:nvSpPr>
         <p:spPr>
           <a:xfrm>
-            <a:off x="2495663" y="2932734"/>
+            <a:off x="2495663" y="2814256"/>
             <a:ext cx="466794" cy="261610"/>
           </a:xfrm>
           <a:prstGeom prst="rect">
@@ -4058,10 +4526,10 @@
       </p:sp>
       <p:cxnSp>
         <p:nvCxnSpPr>
-          <p:cNvPr id="14" name="直線矢印コネクタ 13">
-            <a:extLst>
-              <a:ext uri="{FF2B5EF4-FFF2-40B4-BE49-F238E27FC236}">
-                <a16:creationId xmlns:a16="http://schemas.microsoft.com/office/drawing/2014/main" id="{D55A0B91-5B4D-890D-08DF-5A8266B7724A}"/>
+          <p:cNvPr id="15" name="直線矢印コネクタ 14">
+            <a:extLst>
+              <a:ext uri="{FF2B5EF4-FFF2-40B4-BE49-F238E27FC236}">
+                <a16:creationId xmlns:a16="http://schemas.microsoft.com/office/drawing/2014/main" id="{3C949088-B4D2-99B2-9DEF-E4D245C789B0}"/>
               </a:ext>
             </a:extLst>
           </p:cNvPr>
@@ -4072,7 +4540,7 @@
         </p:nvCxnSpPr>
         <p:spPr>
           <a:xfrm>
-            <a:off x="1413161" y="3274147"/>
+            <a:off x="1413161" y="3704247"/>
             <a:ext cx="1656000" cy="0"/>
           </a:xfrm>
           <a:prstGeom prst="straightConnector1">
@@ -4102,10 +4570,10 @@
       </p:cxnSp>
       <p:cxnSp>
         <p:nvCxnSpPr>
-          <p:cNvPr id="15" name="直線矢印コネクタ 14">
-            <a:extLst>
-              <a:ext uri="{FF2B5EF4-FFF2-40B4-BE49-F238E27FC236}">
-                <a16:creationId xmlns:a16="http://schemas.microsoft.com/office/drawing/2014/main" id="{3C949088-B4D2-99B2-9DEF-E4D245C789B0}"/>
+          <p:cNvPr id="9" name="直線コネクタ 8">
+            <a:extLst>
+              <a:ext uri="{FF2B5EF4-FFF2-40B4-BE49-F238E27FC236}">
+                <a16:creationId xmlns:a16="http://schemas.microsoft.com/office/drawing/2014/main" id="{B06FBCFC-FEA3-EFDE-429B-CEE8E16D745E}"/>
               </a:ext>
             </a:extLst>
           </p:cNvPr>
@@ -4116,17 +4584,16 @@
         </p:nvCxnSpPr>
         <p:spPr>
           <a:xfrm>
-            <a:off x="1413161" y="3709622"/>
-            <a:ext cx="1656000" cy="0"/>
+            <a:off x="1614874" y="3614247"/>
+            <a:ext cx="0" cy="180000"/>
           </a:xfrm>
-          <a:prstGeom prst="straightConnector1">
+          <a:prstGeom prst="line">
             <a:avLst/>
           </a:prstGeom>
           <a:ln>
             <a:solidFill>
               <a:schemeClr val="tx2"/>
             </a:solidFill>
-            <a:tailEnd type="triangle" w="lg" len="lg"/>
           </a:ln>
         </p:spPr>
         <p:style>
@@ -4144,6 +4611,371 @@
           </a:fontRef>
         </p:style>
       </p:cxnSp>
+      <p:cxnSp>
+        <p:nvCxnSpPr>
+          <p:cNvPr id="17" name="直線コネクタ 16">
+            <a:extLst>
+              <a:ext uri="{FF2B5EF4-FFF2-40B4-BE49-F238E27FC236}">
+                <a16:creationId xmlns:a16="http://schemas.microsoft.com/office/drawing/2014/main" id="{72BA78AA-9AE8-2782-8852-DFACDACC255E}"/>
+              </a:ext>
+            </a:extLst>
+          </p:cNvPr>
+          <p:cNvCxnSpPr>
+            <a:cxnSpLocks/>
+          </p:cNvCxnSpPr>
+          <p:nvPr/>
+        </p:nvCxnSpPr>
+        <p:spPr>
+          <a:xfrm>
+            <a:off x="1888427" y="3614247"/>
+            <a:ext cx="0" cy="180000"/>
+          </a:xfrm>
+          <a:prstGeom prst="line">
+            <a:avLst/>
+          </a:prstGeom>
+          <a:ln>
+            <a:solidFill>
+              <a:schemeClr val="tx2"/>
+            </a:solidFill>
+          </a:ln>
+        </p:spPr>
+        <p:style>
+          <a:lnRef idx="2">
+            <a:schemeClr val="accent1"/>
+          </a:lnRef>
+          <a:fillRef idx="0">
+            <a:schemeClr val="accent1"/>
+          </a:fillRef>
+          <a:effectRef idx="1">
+            <a:schemeClr val="accent1"/>
+          </a:effectRef>
+          <a:fontRef idx="minor">
+            <a:schemeClr val="tx1"/>
+          </a:fontRef>
+        </p:style>
+      </p:cxnSp>
+      <p:cxnSp>
+        <p:nvCxnSpPr>
+          <p:cNvPr id="18" name="直線コネクタ 17">
+            <a:extLst>
+              <a:ext uri="{FF2B5EF4-FFF2-40B4-BE49-F238E27FC236}">
+                <a16:creationId xmlns:a16="http://schemas.microsoft.com/office/drawing/2014/main" id="{57ECB76F-31E7-6C86-ACF3-B584B5289051}"/>
+              </a:ext>
+            </a:extLst>
+          </p:cNvPr>
+          <p:cNvCxnSpPr>
+            <a:cxnSpLocks/>
+          </p:cNvCxnSpPr>
+          <p:nvPr/>
+        </p:nvCxnSpPr>
+        <p:spPr>
+          <a:xfrm>
+            <a:off x="2161980" y="3614247"/>
+            <a:ext cx="0" cy="180000"/>
+          </a:xfrm>
+          <a:prstGeom prst="line">
+            <a:avLst/>
+          </a:prstGeom>
+          <a:ln>
+            <a:solidFill>
+              <a:schemeClr val="tx2"/>
+            </a:solidFill>
+          </a:ln>
+        </p:spPr>
+        <p:style>
+          <a:lnRef idx="2">
+            <a:schemeClr val="accent1"/>
+          </a:lnRef>
+          <a:fillRef idx="0">
+            <a:schemeClr val="accent1"/>
+          </a:fillRef>
+          <a:effectRef idx="1">
+            <a:schemeClr val="accent1"/>
+          </a:effectRef>
+          <a:fontRef idx="minor">
+            <a:schemeClr val="tx1"/>
+          </a:fontRef>
+        </p:style>
+      </p:cxnSp>
+      <p:cxnSp>
+        <p:nvCxnSpPr>
+          <p:cNvPr id="19" name="直線コネクタ 18">
+            <a:extLst>
+              <a:ext uri="{FF2B5EF4-FFF2-40B4-BE49-F238E27FC236}">
+                <a16:creationId xmlns:a16="http://schemas.microsoft.com/office/drawing/2014/main" id="{3AA7A642-0D69-51BB-9BE2-5B2BDEE2EC6D}"/>
+              </a:ext>
+            </a:extLst>
+          </p:cNvPr>
+          <p:cNvCxnSpPr>
+            <a:cxnSpLocks/>
+          </p:cNvCxnSpPr>
+          <p:nvPr/>
+        </p:nvCxnSpPr>
+        <p:spPr>
+          <a:xfrm>
+            <a:off x="2709087" y="3614247"/>
+            <a:ext cx="0" cy="180000"/>
+          </a:xfrm>
+          <a:prstGeom prst="line">
+            <a:avLst/>
+          </a:prstGeom>
+          <a:ln>
+            <a:solidFill>
+              <a:schemeClr val="tx2"/>
+            </a:solidFill>
+          </a:ln>
+        </p:spPr>
+        <p:style>
+          <a:lnRef idx="2">
+            <a:schemeClr val="accent1"/>
+          </a:lnRef>
+          <a:fillRef idx="0">
+            <a:schemeClr val="accent1"/>
+          </a:fillRef>
+          <a:effectRef idx="1">
+            <a:schemeClr val="accent1"/>
+          </a:effectRef>
+          <a:fontRef idx="minor">
+            <a:schemeClr val="tx1"/>
+          </a:fontRef>
+        </p:style>
+      </p:cxnSp>
+      <p:cxnSp>
+        <p:nvCxnSpPr>
+          <p:cNvPr id="20" name="直線コネクタ 19">
+            <a:extLst>
+              <a:ext uri="{FF2B5EF4-FFF2-40B4-BE49-F238E27FC236}">
+                <a16:creationId xmlns:a16="http://schemas.microsoft.com/office/drawing/2014/main" id="{6F1046AD-4D80-62D1-D6F0-A51334C1FC42}"/>
+              </a:ext>
+            </a:extLst>
+          </p:cNvPr>
+          <p:cNvCxnSpPr>
+            <a:cxnSpLocks/>
+          </p:cNvCxnSpPr>
+          <p:nvPr/>
+        </p:nvCxnSpPr>
+        <p:spPr>
+          <a:xfrm>
+            <a:off x="2435533" y="3614247"/>
+            <a:ext cx="0" cy="180000"/>
+          </a:xfrm>
+          <a:prstGeom prst="line">
+            <a:avLst/>
+          </a:prstGeom>
+          <a:ln>
+            <a:solidFill>
+              <a:schemeClr val="tx2"/>
+            </a:solidFill>
+          </a:ln>
+        </p:spPr>
+        <p:style>
+          <a:lnRef idx="2">
+            <a:schemeClr val="accent1"/>
+          </a:lnRef>
+          <a:fillRef idx="0">
+            <a:schemeClr val="accent1"/>
+          </a:fillRef>
+          <a:effectRef idx="1">
+            <a:schemeClr val="accent1"/>
+          </a:effectRef>
+          <a:fontRef idx="minor">
+            <a:schemeClr val="tx1"/>
+          </a:fontRef>
+        </p:style>
+      </p:cxnSp>
+      <p:sp>
+        <p:nvSpPr>
+          <p:cNvPr id="21" name="矢印: 右 20">
+            <a:extLst>
+              <a:ext uri="{FF2B5EF4-FFF2-40B4-BE49-F238E27FC236}">
+                <a16:creationId xmlns:a16="http://schemas.microsoft.com/office/drawing/2014/main" id="{71D885D2-4BF7-5CAA-51EF-1B32AC1F6AB8}"/>
+              </a:ext>
+            </a:extLst>
+          </p:cNvPr>
+          <p:cNvSpPr/>
+          <p:nvPr/>
+        </p:nvSpPr>
+        <p:spPr>
+          <a:xfrm>
+            <a:off x="1720458" y="3110644"/>
+            <a:ext cx="1102252" cy="350775"/>
+          </a:xfrm>
+          <a:custGeom>
+            <a:avLst/>
+            <a:gdLst>
+              <a:gd name="connsiteX0" fmla="*/ 0 w 1027668"/>
+              <a:gd name="connsiteY0" fmla="*/ 87694 h 350775"/>
+              <a:gd name="connsiteX1" fmla="*/ 836120 w 1027668"/>
+              <a:gd name="connsiteY1" fmla="*/ 87694 h 350775"/>
+              <a:gd name="connsiteX2" fmla="*/ 836120 w 1027668"/>
+              <a:gd name="connsiteY2" fmla="*/ 0 h 350775"/>
+              <a:gd name="connsiteX3" fmla="*/ 1027668 w 1027668"/>
+              <a:gd name="connsiteY3" fmla="*/ 175388 h 350775"/>
+              <a:gd name="connsiteX4" fmla="*/ 836120 w 1027668"/>
+              <a:gd name="connsiteY4" fmla="*/ 350775 h 350775"/>
+              <a:gd name="connsiteX5" fmla="*/ 836120 w 1027668"/>
+              <a:gd name="connsiteY5" fmla="*/ 263081 h 350775"/>
+              <a:gd name="connsiteX6" fmla="*/ 0 w 1027668"/>
+              <a:gd name="connsiteY6" fmla="*/ 263081 h 350775"/>
+              <a:gd name="connsiteX7" fmla="*/ 0 w 1027668"/>
+              <a:gd name="connsiteY7" fmla="*/ 87694 h 350775"/>
+              <a:gd name="connsiteX0" fmla="*/ 0 w 1036335"/>
+              <a:gd name="connsiteY0" fmla="*/ 152699 h 350775"/>
+              <a:gd name="connsiteX1" fmla="*/ 844787 w 1036335"/>
+              <a:gd name="connsiteY1" fmla="*/ 87694 h 350775"/>
+              <a:gd name="connsiteX2" fmla="*/ 844787 w 1036335"/>
+              <a:gd name="connsiteY2" fmla="*/ 0 h 350775"/>
+              <a:gd name="connsiteX3" fmla="*/ 1036335 w 1036335"/>
+              <a:gd name="connsiteY3" fmla="*/ 175388 h 350775"/>
+              <a:gd name="connsiteX4" fmla="*/ 844787 w 1036335"/>
+              <a:gd name="connsiteY4" fmla="*/ 350775 h 350775"/>
+              <a:gd name="connsiteX5" fmla="*/ 844787 w 1036335"/>
+              <a:gd name="connsiteY5" fmla="*/ 263081 h 350775"/>
+              <a:gd name="connsiteX6" fmla="*/ 8667 w 1036335"/>
+              <a:gd name="connsiteY6" fmla="*/ 263081 h 350775"/>
+              <a:gd name="connsiteX7" fmla="*/ 0 w 1036335"/>
+              <a:gd name="connsiteY7" fmla="*/ 152699 h 350775"/>
+              <a:gd name="connsiteX0" fmla="*/ 0 w 1036335"/>
+              <a:gd name="connsiteY0" fmla="*/ 152699 h 350775"/>
+              <a:gd name="connsiteX1" fmla="*/ 844787 w 1036335"/>
+              <a:gd name="connsiteY1" fmla="*/ 87694 h 350775"/>
+              <a:gd name="connsiteX2" fmla="*/ 844787 w 1036335"/>
+              <a:gd name="connsiteY2" fmla="*/ 0 h 350775"/>
+              <a:gd name="connsiteX3" fmla="*/ 1036335 w 1036335"/>
+              <a:gd name="connsiteY3" fmla="*/ 175388 h 350775"/>
+              <a:gd name="connsiteX4" fmla="*/ 844787 w 1036335"/>
+              <a:gd name="connsiteY4" fmla="*/ 350775 h 350775"/>
+              <a:gd name="connsiteX5" fmla="*/ 844787 w 1036335"/>
+              <a:gd name="connsiteY5" fmla="*/ 263081 h 350775"/>
+              <a:gd name="connsiteX6" fmla="*/ 8667 w 1036335"/>
+              <a:gd name="connsiteY6" fmla="*/ 185075 h 350775"/>
+              <a:gd name="connsiteX7" fmla="*/ 0 w 1036335"/>
+              <a:gd name="connsiteY7" fmla="*/ 152699 h 350775"/>
+              <a:gd name="connsiteX0" fmla="*/ 8668 w 1045003"/>
+              <a:gd name="connsiteY0" fmla="*/ 152699 h 350775"/>
+              <a:gd name="connsiteX1" fmla="*/ 853455 w 1045003"/>
+              <a:gd name="connsiteY1" fmla="*/ 87694 h 350775"/>
+              <a:gd name="connsiteX2" fmla="*/ 853455 w 1045003"/>
+              <a:gd name="connsiteY2" fmla="*/ 0 h 350775"/>
+              <a:gd name="connsiteX3" fmla="*/ 1045003 w 1045003"/>
+              <a:gd name="connsiteY3" fmla="*/ 175388 h 350775"/>
+              <a:gd name="connsiteX4" fmla="*/ 853455 w 1045003"/>
+              <a:gd name="connsiteY4" fmla="*/ 350775 h 350775"/>
+              <a:gd name="connsiteX5" fmla="*/ 853455 w 1045003"/>
+              <a:gd name="connsiteY5" fmla="*/ 263081 h 350775"/>
+              <a:gd name="connsiteX6" fmla="*/ 0 w 1045003"/>
+              <a:gd name="connsiteY6" fmla="*/ 189409 h 350775"/>
+              <a:gd name="connsiteX7" fmla="*/ 8668 w 1045003"/>
+              <a:gd name="connsiteY7" fmla="*/ 152699 h 350775"/>
+              <a:gd name="connsiteX0" fmla="*/ 0 w 1036335"/>
+              <a:gd name="connsiteY0" fmla="*/ 152699 h 350775"/>
+              <a:gd name="connsiteX1" fmla="*/ 844787 w 1036335"/>
+              <a:gd name="connsiteY1" fmla="*/ 87694 h 350775"/>
+              <a:gd name="connsiteX2" fmla="*/ 844787 w 1036335"/>
+              <a:gd name="connsiteY2" fmla="*/ 0 h 350775"/>
+              <a:gd name="connsiteX3" fmla="*/ 1036335 w 1036335"/>
+              <a:gd name="connsiteY3" fmla="*/ 175388 h 350775"/>
+              <a:gd name="connsiteX4" fmla="*/ 844787 w 1036335"/>
+              <a:gd name="connsiteY4" fmla="*/ 350775 h 350775"/>
+              <a:gd name="connsiteX5" fmla="*/ 844787 w 1036335"/>
+              <a:gd name="connsiteY5" fmla="*/ 263081 h 350775"/>
+              <a:gd name="connsiteX6" fmla="*/ 4333 w 1036335"/>
+              <a:gd name="connsiteY6" fmla="*/ 189409 h 350775"/>
+              <a:gd name="connsiteX7" fmla="*/ 0 w 1036335"/>
+              <a:gd name="connsiteY7" fmla="*/ 152699 h 350775"/>
+            </a:gdLst>
+            <a:ahLst/>
+            <a:cxnLst>
+              <a:cxn ang="0">
+                <a:pos x="connsiteX0" y="connsiteY0"/>
+              </a:cxn>
+              <a:cxn ang="0">
+                <a:pos x="connsiteX1" y="connsiteY1"/>
+              </a:cxn>
+              <a:cxn ang="0">
+                <a:pos x="connsiteX2" y="connsiteY2"/>
+              </a:cxn>
+              <a:cxn ang="0">
+                <a:pos x="connsiteX3" y="connsiteY3"/>
+              </a:cxn>
+              <a:cxn ang="0">
+                <a:pos x="connsiteX4" y="connsiteY4"/>
+              </a:cxn>
+              <a:cxn ang="0">
+                <a:pos x="connsiteX5" y="connsiteY5"/>
+              </a:cxn>
+              <a:cxn ang="0">
+                <a:pos x="connsiteX6" y="connsiteY6"/>
+              </a:cxn>
+              <a:cxn ang="0">
+                <a:pos x="connsiteX7" y="connsiteY7"/>
+              </a:cxn>
+            </a:cxnLst>
+            <a:rect l="l" t="t" r="r" b="b"/>
+            <a:pathLst>
+              <a:path w="1036335" h="350775">
+                <a:moveTo>
+                  <a:pt x="0" y="152699"/>
+                </a:moveTo>
+                <a:lnTo>
+                  <a:pt x="844787" y="87694"/>
+                </a:lnTo>
+                <a:lnTo>
+                  <a:pt x="844787" y="0"/>
+                </a:lnTo>
+                <a:lnTo>
+                  <a:pt x="1036335" y="175388"/>
+                </a:lnTo>
+                <a:lnTo>
+                  <a:pt x="844787" y="350775"/>
+                </a:lnTo>
+                <a:lnTo>
+                  <a:pt x="844787" y="263081"/>
+                </a:lnTo>
+                <a:lnTo>
+                  <a:pt x="4333" y="189409"/>
+                </a:lnTo>
+                <a:lnTo>
+                  <a:pt x="0" y="152699"/>
+                </a:lnTo>
+                <a:close/>
+              </a:path>
+            </a:pathLst>
+          </a:custGeom>
+          <a:solidFill>
+            <a:schemeClr val="bg1"/>
+          </a:solidFill>
+          <a:ln>
+            <a:solidFill>
+              <a:schemeClr val="tx2"/>
+            </a:solidFill>
+          </a:ln>
+        </p:spPr>
+        <p:style>
+          <a:lnRef idx="2">
+            <a:schemeClr val="accent1">
+              <a:shade val="15000"/>
+            </a:schemeClr>
+          </a:lnRef>
+          <a:fillRef idx="1">
+            <a:schemeClr val="accent1"/>
+          </a:fillRef>
+          <a:effectRef idx="0">
+            <a:schemeClr val="accent1"/>
+          </a:effectRef>
+          <a:fontRef idx="minor">
+            <a:schemeClr val="lt1"/>
+          </a:fontRef>
+        </p:style>
+        <p:txBody>
+          <a:bodyPr rtlCol="0" anchor="ctr"/>
+          <a:lstStyle/>
+          <a:p>
+            <a:pPr algn="ctr"/>
+            <a:endParaRPr kumimoji="1" lang="ja-JP" altLang="en-US"/>
+          </a:p>
+        </p:txBody>
+      </p:sp>
     </p:spTree>
     <p:extLst>
       <p:ext uri="{BB962C8B-B14F-4D97-AF65-F5344CB8AC3E}">
@@ -4470,4 +5302,319 @@
     </a:ext>
   </a:extLst>
 </a:theme>
+</file>
+
+<file path=ppt/theme/theme2.xml><?xml version="1.0" encoding="utf-8"?>
+<a:theme xmlns:a="http://schemas.openxmlformats.org/drawingml/2006/main" name="Office テーマ">
+  <a:themeElements>
+    <a:clrScheme name="Office">
+      <a:dk1>
+        <a:sysClr val="windowText" lastClr="000000"/>
+      </a:dk1>
+      <a:lt1>
+        <a:sysClr val="window" lastClr="FFFFFF"/>
+      </a:lt1>
+      <a:dk2>
+        <a:srgbClr val="0E2841"/>
+      </a:dk2>
+      <a:lt2>
+        <a:srgbClr val="E8E8E8"/>
+      </a:lt2>
+      <a:accent1>
+        <a:srgbClr val="156082"/>
+      </a:accent1>
+      <a:accent2>
+        <a:srgbClr val="E97132"/>
+      </a:accent2>
+      <a:accent3>
+        <a:srgbClr val="196B24"/>
+      </a:accent3>
+      <a:accent4>
+        <a:srgbClr val="0F9ED5"/>
+      </a:accent4>
+      <a:accent5>
+        <a:srgbClr val="A02B93"/>
+      </a:accent5>
+      <a:accent6>
+        <a:srgbClr val="4EA72E"/>
+      </a:accent6>
+      <a:hlink>
+        <a:srgbClr val="467886"/>
+      </a:hlink>
+      <a:folHlink>
+        <a:srgbClr val="96607D"/>
+      </a:folHlink>
+    </a:clrScheme>
+    <a:fontScheme name="Office">
+      <a:majorFont>
+        <a:latin typeface="游ゴシック Light" panose="02110004020202020204"/>
+        <a:ea typeface=""/>
+        <a:cs typeface=""/>
+        <a:font script="Jpan" typeface="游ゴシック Light"/>
+        <a:font script="Hang" typeface="맑은 고딕"/>
+        <a:font script="Hans" typeface="等线 Light"/>
+        <a:font script="Hant" typeface="新細明體"/>
+        <a:font script="Arab" typeface="Times New Roman"/>
+        <a:font script="Hebr" typeface="Times New Roman"/>
+        <a:font script="Thai" typeface="Angsana New"/>
+        <a:font script="Ethi" typeface="Nyala"/>
+        <a:font script="Beng" typeface="Vrinda"/>
+        <a:font script="Gujr" typeface="Shruti"/>
+        <a:font script="Khmr" typeface="MoolBoran"/>
+        <a:font script="Knda" typeface="Tunga"/>
+        <a:font script="Guru" typeface="Raavi"/>
+        <a:font script="Cans" typeface="Euphemia"/>
+        <a:font script="Cher" typeface="Plantagenet Cherokee"/>
+        <a:font script="Yiii" typeface="Microsoft Yi Baiti"/>
+        <a:font script="Tibt" typeface="Microsoft Himalaya"/>
+        <a:font script="Thaa" typeface="MV Boli"/>
+        <a:font script="Deva" typeface="Mangal"/>
+        <a:font script="Telu" typeface="Gautami"/>
+        <a:font script="Taml" typeface="Latha"/>
+        <a:font script="Syrc" typeface="Estrangelo Edessa"/>
+        <a:font script="Orya" typeface="Kalinga"/>
+        <a:font script="Mlym" typeface="Kartika"/>
+        <a:font script="Laoo" typeface="DokChampa"/>
+        <a:font script="Sinh" typeface="Iskoola Pota"/>
+        <a:font script="Mong" typeface="Mongolian Baiti"/>
+        <a:font script="Viet" typeface="Times New Roman"/>
+        <a:font script="Uigh" typeface="Microsoft Uighur"/>
+        <a:font script="Geor" typeface="Sylfaen"/>
+        <a:font script="Armn" typeface="Arial"/>
+        <a:font script="Bugi" typeface="Leelawadee UI"/>
+        <a:font script="Bopo" typeface="Microsoft JhengHei"/>
+        <a:font script="Java" typeface="Javanese Text"/>
+        <a:font script="Lisu" typeface="Segoe UI"/>
+        <a:font script="Mymr" typeface="Myanmar Text"/>
+        <a:font script="Nkoo" typeface="Ebrima"/>
+        <a:font script="Olck" typeface="Nirmala UI"/>
+        <a:font script="Osma" typeface="Ebrima"/>
+        <a:font script="Phag" typeface="Phagspa"/>
+        <a:font script="Syrn" typeface="Estrangelo Edessa"/>
+        <a:font script="Syrj" typeface="Estrangelo Edessa"/>
+        <a:font script="Syre" typeface="Estrangelo Edessa"/>
+        <a:font script="Sora" typeface="Nirmala UI"/>
+        <a:font script="Tale" typeface="Microsoft Tai Le"/>
+        <a:font script="Talu" typeface="Microsoft New Tai Lue"/>
+        <a:font script="Tfng" typeface="Ebrima"/>
+      </a:majorFont>
+      <a:minorFont>
+        <a:latin typeface="游ゴシック" panose="02110004020202020204"/>
+        <a:ea typeface=""/>
+        <a:cs typeface=""/>
+        <a:font script="Jpan" typeface="游ゴシック"/>
+        <a:font script="Hang" typeface="맑은 고딕"/>
+        <a:font script="Hans" typeface="等线"/>
+        <a:font script="Hant" typeface="新細明體"/>
+        <a:font script="Arab" typeface="Arial"/>
+        <a:font script="Hebr" typeface="Arial"/>
+        <a:font script="Thai" typeface="Cordia New"/>
+        <a:font script="Ethi" typeface="Nyala"/>
+        <a:font script="Beng" typeface="Vrinda"/>
+        <a:font script="Gujr" typeface="Shruti"/>
+        <a:font script="Khmr" typeface="DaunPenh"/>
+        <a:font script="Knda" typeface="Tunga"/>
+        <a:font script="Guru" typeface="Raavi"/>
+        <a:font script="Cans" typeface="Euphemia"/>
+        <a:font script="Cher" typeface="Plantagenet Cherokee"/>
+        <a:font script="Yiii" typeface="Microsoft Yi Baiti"/>
+        <a:font script="Tibt" typeface="Microsoft Himalaya"/>
+        <a:font script="Thaa" typeface="MV Boli"/>
+        <a:font script="Deva" typeface="Mangal"/>
+        <a:font script="Telu" typeface="Gautami"/>
+        <a:font script="Taml" typeface="Latha"/>
+        <a:font script="Syrc" typeface="Estrangelo Edessa"/>
+        <a:font script="Orya" typeface="Kalinga"/>
+        <a:font script="Mlym" typeface="Kartika"/>
+        <a:font script="Laoo" typeface="DokChampa"/>
+        <a:font script="Sinh" typeface="Iskoola Pota"/>
+        <a:font script="Mong" typeface="Mongolian Baiti"/>
+        <a:font script="Viet" typeface="Arial"/>
+        <a:font script="Uigh" typeface="Microsoft Uighur"/>
+        <a:font script="Geor" typeface="Sylfaen"/>
+        <a:font script="Armn" typeface="Arial"/>
+        <a:font script="Bugi" typeface="Leelawadee UI"/>
+        <a:font script="Bopo" typeface="Microsoft JhengHei"/>
+        <a:font script="Java" typeface="Javanese Text"/>
+        <a:font script="Lisu" typeface="Segoe UI"/>
+        <a:font script="Mymr" typeface="Myanmar Text"/>
+        <a:font script="Nkoo" typeface="Ebrima"/>
+        <a:font script="Olck" typeface="Nirmala UI"/>
+        <a:font script="Osma" typeface="Ebrima"/>
+        <a:font script="Phag" typeface="Phagspa"/>
+        <a:font script="Syrn" typeface="Estrangelo Edessa"/>
+        <a:font script="Syrj" typeface="Estrangelo Edessa"/>
+        <a:font script="Syre" typeface="Estrangelo Edessa"/>
+        <a:font script="Sora" typeface="Nirmala UI"/>
+        <a:font script="Tale" typeface="Microsoft Tai Le"/>
+        <a:font script="Talu" typeface="Microsoft New Tai Lue"/>
+        <a:font script="Tfng" typeface="Ebrima"/>
+      </a:minorFont>
+    </a:fontScheme>
+    <a:fmtScheme name="Office">
+      <a:fillStyleLst>
+        <a:solidFill>
+          <a:schemeClr val="phClr"/>
+        </a:solidFill>
+        <a:gradFill rotWithShape="1">
+          <a:gsLst>
+            <a:gs pos="0">
+              <a:schemeClr val="phClr">
+                <a:lumMod val="110000"/>
+                <a:satMod val="105000"/>
+                <a:tint val="67000"/>
+              </a:schemeClr>
+            </a:gs>
+            <a:gs pos="50000">
+              <a:schemeClr val="phClr">
+                <a:lumMod val="105000"/>
+                <a:satMod val="103000"/>
+                <a:tint val="73000"/>
+              </a:schemeClr>
+            </a:gs>
+            <a:gs pos="100000">
+              <a:schemeClr val="phClr">
+                <a:lumMod val="105000"/>
+                <a:satMod val="109000"/>
+                <a:tint val="81000"/>
+              </a:schemeClr>
+            </a:gs>
+          </a:gsLst>
+          <a:lin ang="5400000" scaled="0"/>
+        </a:gradFill>
+        <a:gradFill rotWithShape="1">
+          <a:gsLst>
+            <a:gs pos="0">
+              <a:schemeClr val="phClr">
+                <a:satMod val="103000"/>
+                <a:lumMod val="102000"/>
+                <a:tint val="94000"/>
+              </a:schemeClr>
+            </a:gs>
+            <a:gs pos="50000">
+              <a:schemeClr val="phClr">
+                <a:satMod val="110000"/>
+                <a:lumMod val="100000"/>
+                <a:shade val="100000"/>
+              </a:schemeClr>
+            </a:gs>
+            <a:gs pos="100000">
+              <a:schemeClr val="phClr">
+                <a:lumMod val="99000"/>
+                <a:satMod val="120000"/>
+                <a:shade val="78000"/>
+              </a:schemeClr>
+            </a:gs>
+          </a:gsLst>
+          <a:lin ang="5400000" scaled="0"/>
+        </a:gradFill>
+      </a:fillStyleLst>
+      <a:lnStyleLst>
+        <a:ln w="12700" cap="flat" cmpd="sng" algn="ctr">
+          <a:solidFill>
+            <a:schemeClr val="phClr"/>
+          </a:solidFill>
+          <a:prstDash val="solid"/>
+          <a:miter lim="800000"/>
+        </a:ln>
+        <a:ln w="19050" cap="flat" cmpd="sng" algn="ctr">
+          <a:solidFill>
+            <a:schemeClr val="phClr"/>
+          </a:solidFill>
+          <a:prstDash val="solid"/>
+          <a:miter lim="800000"/>
+        </a:ln>
+        <a:ln w="25400" cap="flat" cmpd="sng" algn="ctr">
+          <a:solidFill>
+            <a:schemeClr val="phClr"/>
+          </a:solidFill>
+          <a:prstDash val="solid"/>
+          <a:miter lim="800000"/>
+        </a:ln>
+      </a:lnStyleLst>
+      <a:effectStyleLst>
+        <a:effectStyle>
+          <a:effectLst/>
+        </a:effectStyle>
+        <a:effectStyle>
+          <a:effectLst/>
+        </a:effectStyle>
+        <a:effectStyle>
+          <a:effectLst>
+            <a:outerShdw blurRad="57150" dist="19050" dir="5400000" algn="ctr" rotWithShape="0">
+              <a:srgbClr val="000000">
+                <a:alpha val="63000"/>
+              </a:srgbClr>
+            </a:outerShdw>
+          </a:effectLst>
+        </a:effectStyle>
+      </a:effectStyleLst>
+      <a:bgFillStyleLst>
+        <a:solidFill>
+          <a:schemeClr val="phClr"/>
+        </a:solidFill>
+        <a:solidFill>
+          <a:schemeClr val="phClr">
+            <a:tint val="95000"/>
+            <a:satMod val="170000"/>
+          </a:schemeClr>
+        </a:solidFill>
+        <a:gradFill rotWithShape="1">
+          <a:gsLst>
+            <a:gs pos="0">
+              <a:schemeClr val="phClr">
+                <a:tint val="93000"/>
+                <a:satMod val="150000"/>
+                <a:shade val="98000"/>
+                <a:lumMod val="102000"/>
+              </a:schemeClr>
+            </a:gs>
+            <a:gs pos="50000">
+              <a:schemeClr val="phClr">
+                <a:tint val="98000"/>
+                <a:satMod val="130000"/>
+                <a:shade val="90000"/>
+                <a:lumMod val="103000"/>
+              </a:schemeClr>
+            </a:gs>
+            <a:gs pos="100000">
+              <a:schemeClr val="phClr">
+                <a:shade val="63000"/>
+                <a:satMod val="120000"/>
+              </a:schemeClr>
+            </a:gs>
+          </a:gsLst>
+          <a:lin ang="5400000" scaled="0"/>
+        </a:gradFill>
+      </a:bgFillStyleLst>
+    </a:fmtScheme>
+  </a:themeElements>
+  <a:objectDefaults>
+    <a:lnDef>
+      <a:spPr/>
+      <a:bodyPr/>
+      <a:lstStyle/>
+      <a:style>
+        <a:lnRef idx="2">
+          <a:schemeClr val="accent1"/>
+        </a:lnRef>
+        <a:fillRef idx="0">
+          <a:schemeClr val="accent1"/>
+        </a:fillRef>
+        <a:effectRef idx="1">
+          <a:schemeClr val="accent1"/>
+        </a:effectRef>
+        <a:fontRef idx="minor">
+          <a:schemeClr val="tx1"/>
+        </a:fontRef>
+      </a:style>
+    </a:lnDef>
+  </a:objectDefaults>
+  <a:extraClrSchemeLst/>
+  <a:extLst>
+    <a:ext uri="{05A4C25C-085E-4340-85A3-A5531E510DB2}">
+      <thm15:themeFamily xmlns:thm15="http://schemas.microsoft.com/office/thememl/2012/main" name="Office Theme" id="{2E142A2C-CD16-42D6-873A-C26D2A0506FA}" vid="{1BDDFF52-6CD6-40A5-AB3C-68EB2F1E4D0A}"/>
+    </a:ext>
+  </a:extLst>
+</a:theme>
 </file>